--- a/psea/en/lessons/introduction.pptx
+++ b/psea/en/lessons/introduction.pptx
@@ -5,19 +5,20 @@
     <p:sldMasterId id="2147483648" r:id="rId1"/>
   </p:sldMasterIdLst>
   <p:notesMasterIdLst>
-    <p:notesMasterId r:id="rId7"/>
+    <p:notesMasterId r:id="rId8"/>
   </p:notesMasterIdLst>
   <p:sldIdLst>
     <p:sldId id="343" r:id="rId2"/>
     <p:sldId id="349" r:id="rId3"/>
-    <p:sldId id="350" r:id="rId4"/>
-    <p:sldId id="351" r:id="rId5"/>
-    <p:sldId id="348" r:id="rId6"/>
+    <p:sldId id="352" r:id="rId4"/>
+    <p:sldId id="350" r:id="rId5"/>
+    <p:sldId id="351" r:id="rId6"/>
+    <p:sldId id="348" r:id="rId7"/>
   </p:sldIdLst>
   <p:sldSz cx="12192000" cy="6858000"/>
   <p:notesSz cx="6858000" cy="9144000"/>
   <p:custDataLst>
-    <p:tags r:id="rId8"/>
+    <p:tags r:id="rId9"/>
   </p:custDataLst>
   <p:defaultTextStyle>
     <a:defPPr>
@@ -260,7 +261,7 @@
           <a:p>
             <a:fld id="{CD4A716A-96FF-444E-85A3-889DB32D1FBA}" type="datetimeFigureOut">
               <a:rPr lang="ru-RU" smtClean="0"/>
-              <a:t>15.09.2024</a:t>
+              <a:t>19.09.2024</a:t>
             </a:fld>
             <a:endParaRPr lang="ru-RU"/>
           </a:p>
@@ -769,7 +770,7 @@
     </p:spTree>
     <p:extLst>
       <p:ext uri="{BB962C8B-B14F-4D97-AF65-F5344CB8AC3E}">
-        <p14:creationId xmlns:p14="http://schemas.microsoft.com/office/powerpoint/2010/main" val="1287837248"/>
+        <p14:creationId xmlns:p14="http://schemas.microsoft.com/office/powerpoint/2010/main" val="2990835649"/>
       </p:ext>
     </p:extLst>
   </p:cSld>
@@ -853,7 +854,7 @@
     </p:spTree>
     <p:extLst>
       <p:ext uri="{BB962C8B-B14F-4D97-AF65-F5344CB8AC3E}">
-        <p14:creationId xmlns:p14="http://schemas.microsoft.com/office/powerpoint/2010/main" val="1098430469"/>
+        <p14:creationId xmlns:p14="http://schemas.microsoft.com/office/powerpoint/2010/main" val="1287837248"/>
       </p:ext>
     </p:extLst>
   </p:cSld>
@@ -907,7 +908,7 @@
           <a:bodyPr/>
           <a:lstStyle/>
           <a:p>
-            <a:endParaRPr lang="en-US"/>
+            <a:endParaRPr lang="en-US" dirty="0"/>
           </a:p>
         </p:txBody>
       </p:sp>
@@ -929,6 +930,90 @@
             <a:fld id="{95E4AF92-FB35-FC4B-A1DD-7C909C20A5EE}" type="slidenum">
               <a:rPr lang="ru-RU" smtClean="0"/>
               <a:t>5</a:t>
+            </a:fld>
+            <a:endParaRPr lang="ru-RU"/>
+          </a:p>
+        </p:txBody>
+      </p:sp>
+    </p:spTree>
+    <p:extLst>
+      <p:ext uri="{BB962C8B-B14F-4D97-AF65-F5344CB8AC3E}">
+        <p14:creationId xmlns:p14="http://schemas.microsoft.com/office/powerpoint/2010/main" val="1098430469"/>
+      </p:ext>
+    </p:extLst>
+  </p:cSld>
+  <p:clrMapOvr>
+    <a:masterClrMapping/>
+  </p:clrMapOvr>
+</p:notes>
+</file>
+
+<file path=ppt/notesSlides/notesSlide6.xml><?xml version="1.0" encoding="utf-8"?>
+<p:notes xmlns:a="http://schemas.openxmlformats.org/drawingml/2006/main" xmlns:r="http://schemas.openxmlformats.org/officeDocument/2006/relationships" xmlns:p="http://schemas.openxmlformats.org/presentationml/2006/main">
+  <p:cSld>
+    <p:spTree>
+      <p:nvGrpSpPr>
+        <p:cNvPr id="1" name=""/>
+        <p:cNvGrpSpPr/>
+        <p:nvPr/>
+      </p:nvGrpSpPr>
+      <p:grpSpPr>
+        <a:xfrm>
+          <a:off x="0" y="0"/>
+          <a:ext cx="0" cy="0"/>
+          <a:chOff x="0" y="0"/>
+          <a:chExt cx="0" cy="0"/>
+        </a:xfrm>
+      </p:grpSpPr>
+      <p:sp>
+        <p:nvSpPr>
+          <p:cNvPr id="2" name="Slide Image Placeholder 1"/>
+          <p:cNvSpPr>
+            <a:spLocks noGrp="1" noRot="1" noChangeAspect="1"/>
+          </p:cNvSpPr>
+          <p:nvPr>
+            <p:ph type="sldImg"/>
+          </p:nvPr>
+        </p:nvSpPr>
+        <p:spPr/>
+      </p:sp>
+      <p:sp>
+        <p:nvSpPr>
+          <p:cNvPr id="3" name="Notes Placeholder 2"/>
+          <p:cNvSpPr>
+            <a:spLocks noGrp="1"/>
+          </p:cNvSpPr>
+          <p:nvPr>
+            <p:ph type="body" idx="1"/>
+          </p:nvPr>
+        </p:nvSpPr>
+        <p:spPr/>
+        <p:txBody>
+          <a:bodyPr/>
+          <a:lstStyle/>
+          <a:p>
+            <a:endParaRPr lang="en-US"/>
+          </a:p>
+        </p:txBody>
+      </p:sp>
+      <p:sp>
+        <p:nvSpPr>
+          <p:cNvPr id="4" name="Slide Number Placeholder 3"/>
+          <p:cNvSpPr>
+            <a:spLocks noGrp="1"/>
+          </p:cNvSpPr>
+          <p:nvPr>
+            <p:ph type="sldNum" sz="quarter" idx="5"/>
+          </p:nvPr>
+        </p:nvSpPr>
+        <p:spPr/>
+        <p:txBody>
+          <a:bodyPr/>
+          <a:lstStyle/>
+          <a:p>
+            <a:fld id="{95E4AF92-FB35-FC4B-A1DD-7C909C20A5EE}" type="slidenum">
+              <a:rPr lang="ru-RU" smtClean="0"/>
+              <a:t>6</a:t>
             </a:fld>
             <a:endParaRPr lang="ru-RU"/>
           </a:p>
@@ -1094,7 +1179,7 @@
           <a:p>
             <a:fld id="{4507D0C9-DCEA-F448-A25E-CBBFA477327C}" type="datetimeFigureOut">
               <a:rPr lang="ru-RU" smtClean="0"/>
-              <a:t>15.09.2024</a:t>
+              <a:t>19.09.2024</a:t>
             </a:fld>
             <a:endParaRPr lang="ru-RU"/>
           </a:p>
@@ -1207,7 +1292,7 @@
           <a:p>
             <a:fld id="{4507D0C9-DCEA-F448-A25E-CBBFA477327C}" type="datetimeFigureOut">
               <a:rPr lang="ru-RU" smtClean="0"/>
-              <a:t>15.09.2024</a:t>
+              <a:t>19.09.2024</a:t>
             </a:fld>
             <a:endParaRPr lang="ru-RU"/>
           </a:p>
@@ -1455,7 +1540,7 @@
           <a:p>
             <a:fld id="{4507D0C9-DCEA-F448-A25E-CBBFA477327C}" type="datetimeFigureOut">
               <a:rPr lang="ru-RU" smtClean="0"/>
-              <a:t>15.09.2024</a:t>
+              <a:t>19.09.2024</a:t>
             </a:fld>
             <a:endParaRPr lang="ru-RU"/>
           </a:p>
@@ -2286,6 +2371,14 @@
   <p:clrMapOvr>
     <a:masterClrMapping/>
   </p:clrMapOvr>
+  <mc:AlternateContent xmlns:mc="http://schemas.openxmlformats.org/markup-compatibility/2006" xmlns:p14="http://schemas.microsoft.com/office/powerpoint/2010/main">
+    <mc:Choice Requires="p14">
+      <p:transition spd="slow" p14:dur="2000" advClick="0"/>
+    </mc:Choice>
+    <mc:Fallback xmlns="">
+      <p:transition spd="slow" advClick="0"/>
+    </mc:Fallback>
+  </mc:AlternateContent>
   <p:timing>
     <p:tnLst>
       <p:par>
@@ -2405,8 +2498,8 @@
         </p:nvSpPr>
         <p:spPr>
           <a:xfrm>
-            <a:off x="538331" y="2102861"/>
-            <a:ext cx="6257324" cy="2330161"/>
+            <a:off x="538330" y="1588957"/>
+            <a:ext cx="6791859" cy="2844065"/>
           </a:xfrm>
           <a:prstGeom prst="roundRect">
             <a:avLst>
@@ -2433,26 +2526,20 @@
           <a:bodyPr rtlCol="0" anchor="ctr"/>
           <a:lstStyle/>
           <a:p>
-            <a:pPr algn="ctr" rtl="0">
-              <a:spcBef>
-                <a:spcPts val="0"/>
-              </a:spcBef>
-              <a:spcAft>
-                <a:spcPts val="0"/>
-              </a:spcAft>
-            </a:pPr>
+            <a:pPr algn="ctr"/>
             <a:r>
-              <a:rPr lang="en-US" i="0" u="none" strike="noStrike" dirty="0">
-                <a:solidFill>
-                  <a:srgbClr val="000000"/>
-                </a:solidFill>
-                <a:effectLst/>
-                <a:latin typeface="Open Sans" panose="020B0606030504020204" pitchFamily="34" charset="0"/>
-                <a:ea typeface="Open Sans" panose="020B0606030504020204" pitchFamily="34" charset="0"/>
-                <a:cs typeface="Open Sans" panose="020B0606030504020204" pitchFamily="34" charset="0"/>
-              </a:rPr>
-              <a:t>The terms we will be using in this session are very common and have been used interchangeably for years. However, in the policies, they are different. Thus, let’s see if you know them.</a:t>
+              <a:rPr lang="en-US" sz="2800" dirty="0"/>
+              <a:t>Since many now believe that they know PSEA, we start by a game where they show them that definitions are not as obvious as they think they are.</a:t>
             </a:r>
+            <a:endParaRPr lang="en-US" sz="2800" i="0" u="none" strike="noStrike" dirty="0">
+              <a:solidFill>
+                <a:srgbClr val="000000"/>
+              </a:solidFill>
+              <a:effectLst/>
+              <a:latin typeface="Open Sans" panose="020B0606030504020204" pitchFamily="34" charset="0"/>
+              <a:ea typeface="Open Sans" panose="020B0606030504020204" pitchFamily="34" charset="0"/>
+              <a:cs typeface="Open Sans" panose="020B0606030504020204" pitchFamily="34" charset="0"/>
+            </a:endParaRPr>
           </a:p>
         </p:txBody>
       </p:sp>
@@ -2469,6 +2556,14 @@
   <p:clrMapOvr>
     <a:masterClrMapping/>
   </p:clrMapOvr>
+  <mc:AlternateContent xmlns:mc="http://schemas.openxmlformats.org/markup-compatibility/2006" xmlns:p14="http://schemas.microsoft.com/office/powerpoint/2010/main">
+    <mc:Choice Requires="p14">
+      <p:transition spd="slow" p14:dur="2000" advClick="0"/>
+    </mc:Choice>
+    <mc:Fallback xmlns="">
+      <p:transition spd="slow" advClick="0"/>
+    </mc:Fallback>
+  </mc:AlternateContent>
   <p:timing>
     <p:tnLst>
       <p:par>
@@ -2482,20 +2577,6 @@
 <file path=ppt/slides/slide3.xml><?xml version="1.0" encoding="utf-8"?>
 <p:sld xmlns:a="http://schemas.openxmlformats.org/drawingml/2006/main" xmlns:r="http://schemas.openxmlformats.org/officeDocument/2006/relationships" xmlns:p="http://schemas.openxmlformats.org/presentationml/2006/main">
   <p:cSld>
-    <p:bg>
-      <p:bgPr>
-        <a:blipFill dpi="0" rotWithShape="1">
-          <a:blip r:embed="rId5">
-            <a:lum/>
-          </a:blip>
-          <a:srcRect/>
-          <a:stretch>
-            <a:fillRect/>
-          </a:stretch>
-        </a:blipFill>
-        <a:effectLst/>
-      </p:bgPr>
-    </p:bg>
     <p:spTree>
       <p:nvGrpSpPr>
         <p:cNvPr id="1" name=""/>
@@ -2576,10 +2657,10 @@
       </p:pic>
       <p:sp>
         <p:nvSpPr>
-          <p:cNvPr id="10" name="Rectangle: Rounded Corners">
+          <p:cNvPr id="8" name="Rectangle: Rounded Corners">
             <a:extLst>
               <a:ext uri="{FF2B5EF4-FFF2-40B4-BE49-F238E27FC236}">
-                <a16:creationId xmlns:a16="http://schemas.microsoft.com/office/drawing/2014/main" id="{0CE785C0-C64D-363D-2DED-2311380DB461}"/>
+                <a16:creationId xmlns:a16="http://schemas.microsoft.com/office/drawing/2014/main" id="{FD0C6D42-B5E0-0B2C-A751-7D3EA09CFA31}"/>
               </a:ext>
             </a:extLst>
           </p:cNvPr>
@@ -2588,8 +2669,8 @@
         </p:nvSpPr>
         <p:spPr>
           <a:xfrm>
-            <a:off x="545298" y="1762557"/>
-            <a:ext cx="5720420" cy="2227551"/>
+            <a:off x="238528" y="1289154"/>
+            <a:ext cx="7421446" cy="3413691"/>
           </a:xfrm>
           <a:prstGeom prst="roundRect">
             <a:avLst>
@@ -2616,18 +2697,16 @@
           <a:bodyPr rtlCol="0" anchor="ctr"/>
           <a:lstStyle/>
           <a:p>
-            <a:pPr marL="342900" indent="-342900" rtl="0">
+            <a:pPr algn="ctr" rtl="0">
               <a:spcBef>
                 <a:spcPts val="0"/>
               </a:spcBef>
               <a:spcAft>
                 <a:spcPts val="0"/>
               </a:spcAft>
-              <a:buFont typeface="+mj-lt"/>
-              <a:buAutoNum type="arabicPeriod"/>
             </a:pPr>
             <a:r>
-              <a:rPr lang="en-US" sz="2400" i="0" u="none" strike="noStrike" dirty="0">
+              <a:rPr lang="en-US" sz="2800" i="0" u="none" strike="noStrike" dirty="0">
                 <a:solidFill>
                   <a:srgbClr val="000000"/>
                 </a:solidFill>
@@ -2636,162 +2715,7 @@
                 <a:ea typeface="Open Sans" panose="020B0606030504020204" pitchFamily="34" charset="0"/>
                 <a:cs typeface="Open Sans" panose="020B0606030504020204" pitchFamily="34" charset="0"/>
               </a:rPr>
-              <a:t>Sexual Harassment</a:t>
-            </a:r>
-          </a:p>
-          <a:p>
-            <a:pPr marL="342900" indent="-342900" rtl="0">
-              <a:spcBef>
-                <a:spcPts val="0"/>
-              </a:spcBef>
-              <a:spcAft>
-                <a:spcPts val="0"/>
-              </a:spcAft>
-              <a:buFont typeface="+mj-lt"/>
-              <a:buAutoNum type="arabicPeriod"/>
-            </a:pPr>
-            <a:r>
-              <a:rPr lang="en-US" sz="2400" i="0" u="none" strike="noStrike" dirty="0">
-                <a:solidFill>
-                  <a:srgbClr val="000000"/>
-                </a:solidFill>
-                <a:effectLst/>
-                <a:latin typeface="Open Sans" panose="020B0606030504020204" pitchFamily="34" charset="0"/>
-                <a:ea typeface="Open Sans" panose="020B0606030504020204" pitchFamily="34" charset="0"/>
-                <a:cs typeface="Open Sans" panose="020B0606030504020204" pitchFamily="34" charset="0"/>
-              </a:rPr>
-              <a:t>Sexual Exploitation</a:t>
-            </a:r>
-          </a:p>
-          <a:p>
-            <a:pPr marL="342900" indent="-342900" rtl="0">
-              <a:spcBef>
-                <a:spcPts val="0"/>
-              </a:spcBef>
-              <a:spcAft>
-                <a:spcPts val="0"/>
-              </a:spcAft>
-              <a:buFont typeface="+mj-lt"/>
-              <a:buAutoNum type="arabicPeriod"/>
-            </a:pPr>
-            <a:r>
-              <a:rPr lang="en-US" sz="2400" i="0" u="none" strike="noStrike" dirty="0">
-                <a:solidFill>
-                  <a:srgbClr val="000000"/>
-                </a:solidFill>
-                <a:effectLst/>
-                <a:latin typeface="Open Sans" panose="020B0606030504020204" pitchFamily="34" charset="0"/>
-                <a:ea typeface="Open Sans" panose="020B0606030504020204" pitchFamily="34" charset="0"/>
-                <a:cs typeface="Open Sans" panose="020B0606030504020204" pitchFamily="34" charset="0"/>
-              </a:rPr>
-              <a:t>Sexual Abuse</a:t>
-            </a:r>
-          </a:p>
-          <a:p>
-            <a:pPr marL="342900" indent="-342900" rtl="0">
-              <a:spcBef>
-                <a:spcPts val="0"/>
-              </a:spcBef>
-              <a:spcAft>
-                <a:spcPts val="0"/>
-              </a:spcAft>
-              <a:buFont typeface="+mj-lt"/>
-              <a:buAutoNum type="arabicPeriod"/>
-            </a:pPr>
-            <a:r>
-              <a:rPr lang="en-US" sz="2400" i="0" u="none" strike="noStrike" dirty="0">
-                <a:solidFill>
-                  <a:srgbClr val="000000"/>
-                </a:solidFill>
-                <a:effectLst/>
-                <a:latin typeface="Open Sans" panose="020B0606030504020204" pitchFamily="34" charset="0"/>
-                <a:ea typeface="Open Sans" panose="020B0606030504020204" pitchFamily="34" charset="0"/>
-                <a:cs typeface="Open Sans" panose="020B0606030504020204" pitchFamily="34" charset="0"/>
-              </a:rPr>
-              <a:t>Sexual Gender Based Violence</a:t>
-            </a:r>
-          </a:p>
-        </p:txBody>
-      </p:sp>
-      <p:sp>
-        <p:nvSpPr>
-          <p:cNvPr id="6" name="Arrow: Pentagon 5">
-            <a:hlinkClick r:id="" action="ppaction://hlinkshowjump?jump=nextslide"/>
-            <a:extLst>
-              <a:ext uri="{FF2B5EF4-FFF2-40B4-BE49-F238E27FC236}">
-                <a16:creationId xmlns:a16="http://schemas.microsoft.com/office/drawing/2014/main" id="{EF1768CC-083B-D5AB-763E-7725D9A5D905}"/>
-              </a:ext>
-            </a:extLst>
-          </p:cNvPr>
-          <p:cNvSpPr/>
-          <p:nvPr/>
-        </p:nvSpPr>
-        <p:spPr>
-          <a:xfrm>
-            <a:off x="590406" y="4752541"/>
-            <a:ext cx="4667394" cy="1000124"/>
-          </a:xfrm>
-          <a:prstGeom prst="homePlate">
-            <a:avLst>
-              <a:gd name="adj" fmla="val 76866"/>
-            </a:avLst>
-          </a:prstGeom>
-          <a:solidFill>
-            <a:schemeClr val="accent2">
-              <a:lumMod val="40000"/>
-              <a:lumOff val="60000"/>
-            </a:schemeClr>
-          </a:solidFill>
-          <a:ln>
-            <a:solidFill>
-              <a:schemeClr val="accent2">
-                <a:lumMod val="60000"/>
-                <a:lumOff val="40000"/>
-              </a:schemeClr>
-            </a:solidFill>
-          </a:ln>
-        </p:spPr>
-        <p:style>
-          <a:lnRef idx="2">
-            <a:schemeClr val="accent1">
-              <a:shade val="15000"/>
-            </a:schemeClr>
-          </a:lnRef>
-          <a:fillRef idx="1">
-            <a:schemeClr val="accent1"/>
-          </a:fillRef>
-          <a:effectRef idx="0">
-            <a:schemeClr val="accent1"/>
-          </a:effectRef>
-          <a:fontRef idx="minor">
-            <a:schemeClr val="lt1"/>
-          </a:fontRef>
-        </p:style>
-        <p:txBody>
-          <a:bodyPr rtlCol="0" anchor="ctr"/>
-          <a:lstStyle/>
-          <a:p>
-            <a:pPr algn="ctr"/>
-            <a:r>
-              <a:rPr lang="en-US" sz="4000" b="1" dirty="0">
-                <a:ln w="6600">
-                  <a:solidFill>
-                    <a:schemeClr val="accent2"/>
-                  </a:solidFill>
-                  <a:prstDash val="solid"/>
-                </a:ln>
-                <a:solidFill>
-                  <a:schemeClr val="tx1"/>
-                </a:solidFill>
-                <a:effectLst>
-                  <a:outerShdw blurRad="38100" dist="38100" dir="2700000" algn="tl">
-                    <a:srgbClr val="000000">
-                      <a:alpha val="43137"/>
-                    </a:srgbClr>
-                  </a:outerShdw>
-                </a:effectLst>
-              </a:rPr>
-              <a:t>Play</a:t>
+              <a:t>The terms we will be using in this session are very common and have been used interchangeably for years. However, in the policies, they are different. Thus, let’s see if you know them.</a:t>
             </a:r>
           </a:p>
         </p:txBody>
@@ -2802,13 +2726,21 @@
     </p:custDataLst>
     <p:extLst>
       <p:ext uri="{BB962C8B-B14F-4D97-AF65-F5344CB8AC3E}">
-        <p14:creationId xmlns:p14="http://schemas.microsoft.com/office/powerpoint/2010/main" val="2119918761"/>
+        <p14:creationId xmlns:p14="http://schemas.microsoft.com/office/powerpoint/2010/main" val="2698692113"/>
       </p:ext>
     </p:extLst>
   </p:cSld>
   <p:clrMapOvr>
     <a:masterClrMapping/>
   </p:clrMapOvr>
+  <mc:AlternateContent xmlns:mc="http://schemas.openxmlformats.org/markup-compatibility/2006" xmlns:p14="http://schemas.microsoft.com/office/powerpoint/2010/main">
+    <mc:Choice Requires="p14">
+      <p:transition spd="slow" p14:dur="2000" advClick="0"/>
+    </mc:Choice>
+    <mc:Fallback xmlns="">
+      <p:transition spd="slow" advClick="0"/>
+    </mc:Fallback>
+  </mc:AlternateContent>
   <p:timing>
     <p:tnLst>
       <p:par>
@@ -2916,6 +2848,363 @@
       </p:pic>
       <p:sp>
         <p:nvSpPr>
+          <p:cNvPr id="10" name="Rectangle: Rounded Corners">
+            <a:extLst>
+              <a:ext uri="{FF2B5EF4-FFF2-40B4-BE49-F238E27FC236}">
+                <a16:creationId xmlns:a16="http://schemas.microsoft.com/office/drawing/2014/main" id="{0CE785C0-C64D-363D-2DED-2311380DB461}"/>
+              </a:ext>
+            </a:extLst>
+          </p:cNvPr>
+          <p:cNvSpPr/>
+          <p:nvPr/>
+        </p:nvSpPr>
+        <p:spPr>
+          <a:xfrm>
+            <a:off x="545298" y="1762557"/>
+            <a:ext cx="5720420" cy="2227551"/>
+          </a:xfrm>
+          <a:prstGeom prst="roundRect">
+            <a:avLst>
+              <a:gd name="adj" fmla="val 5602"/>
+            </a:avLst>
+          </a:prstGeom>
+          <a:ln/>
+        </p:spPr>
+        <p:style>
+          <a:lnRef idx="2">
+            <a:schemeClr val="accent2"/>
+          </a:lnRef>
+          <a:fillRef idx="1">
+            <a:schemeClr val="lt1"/>
+          </a:fillRef>
+          <a:effectRef idx="0">
+            <a:schemeClr val="accent2"/>
+          </a:effectRef>
+          <a:fontRef idx="minor">
+            <a:schemeClr val="dk1"/>
+          </a:fontRef>
+        </p:style>
+        <p:txBody>
+          <a:bodyPr rtlCol="0" anchor="ctr"/>
+          <a:lstStyle/>
+          <a:p>
+            <a:pPr marL="342900" indent="-342900" rtl="0">
+              <a:spcBef>
+                <a:spcPts val="0"/>
+              </a:spcBef>
+              <a:spcAft>
+                <a:spcPts val="0"/>
+              </a:spcAft>
+              <a:buFont typeface="+mj-lt"/>
+              <a:buAutoNum type="arabicPeriod"/>
+            </a:pPr>
+            <a:r>
+              <a:rPr lang="en-US" sz="2400" i="0" u="none" strike="noStrike" dirty="0" smtClean="0">
+                <a:solidFill>
+                  <a:srgbClr val="000000"/>
+                </a:solidFill>
+                <a:effectLst/>
+                <a:latin typeface="Open Sans" panose="020B0606030504020204" pitchFamily="34" charset="0"/>
+                <a:ea typeface="Open Sans" panose="020B0606030504020204" pitchFamily="34" charset="0"/>
+                <a:cs typeface="Open Sans" panose="020B0606030504020204" pitchFamily="34" charset="0"/>
+              </a:rPr>
+              <a:t>Sexual Harassment</a:t>
+            </a:r>
+          </a:p>
+          <a:p>
+            <a:pPr marL="342900" indent="-342900" rtl="0">
+              <a:spcBef>
+                <a:spcPts val="0"/>
+              </a:spcBef>
+              <a:spcAft>
+                <a:spcPts val="0"/>
+              </a:spcAft>
+              <a:buFont typeface="+mj-lt"/>
+              <a:buAutoNum type="arabicPeriod"/>
+            </a:pPr>
+            <a:r>
+              <a:rPr lang="en-US" sz="2400" i="0" u="none" strike="noStrike" dirty="0" smtClean="0">
+                <a:solidFill>
+                  <a:srgbClr val="000000"/>
+                </a:solidFill>
+                <a:effectLst/>
+                <a:latin typeface="Open Sans" panose="020B0606030504020204" pitchFamily="34" charset="0"/>
+                <a:ea typeface="Open Sans" panose="020B0606030504020204" pitchFamily="34" charset="0"/>
+                <a:cs typeface="Open Sans" panose="020B0606030504020204" pitchFamily="34" charset="0"/>
+              </a:rPr>
+              <a:t>Sexual Exploitation</a:t>
+            </a:r>
+          </a:p>
+          <a:p>
+            <a:pPr marL="342900" indent="-342900" rtl="0">
+              <a:spcBef>
+                <a:spcPts val="0"/>
+              </a:spcBef>
+              <a:spcAft>
+                <a:spcPts val="0"/>
+              </a:spcAft>
+              <a:buFont typeface="+mj-lt"/>
+              <a:buAutoNum type="arabicPeriod"/>
+            </a:pPr>
+            <a:r>
+              <a:rPr lang="en-US" sz="2400" i="0" u="none" strike="noStrike" dirty="0" smtClean="0">
+                <a:solidFill>
+                  <a:srgbClr val="000000"/>
+                </a:solidFill>
+                <a:effectLst/>
+                <a:latin typeface="Open Sans" panose="020B0606030504020204" pitchFamily="34" charset="0"/>
+                <a:ea typeface="Open Sans" panose="020B0606030504020204" pitchFamily="34" charset="0"/>
+                <a:cs typeface="Open Sans" panose="020B0606030504020204" pitchFamily="34" charset="0"/>
+              </a:rPr>
+              <a:t>Sexual Abuse</a:t>
+            </a:r>
+          </a:p>
+          <a:p>
+            <a:pPr marL="342900" indent="-342900" rtl="0">
+              <a:spcBef>
+                <a:spcPts val="0"/>
+              </a:spcBef>
+              <a:spcAft>
+                <a:spcPts val="0"/>
+              </a:spcAft>
+              <a:buFont typeface="+mj-lt"/>
+              <a:buAutoNum type="arabicPeriod"/>
+            </a:pPr>
+            <a:r>
+              <a:rPr lang="en-US" sz="2400" i="0" u="none" strike="noStrike" dirty="0" smtClean="0">
+                <a:solidFill>
+                  <a:srgbClr val="000000"/>
+                </a:solidFill>
+                <a:effectLst/>
+                <a:latin typeface="Open Sans" panose="020B0606030504020204" pitchFamily="34" charset="0"/>
+                <a:ea typeface="Open Sans" panose="020B0606030504020204" pitchFamily="34" charset="0"/>
+                <a:cs typeface="Open Sans" panose="020B0606030504020204" pitchFamily="34" charset="0"/>
+              </a:rPr>
+              <a:t>Sexual Gender Based Violence</a:t>
+            </a:r>
+            <a:endParaRPr lang="en-US" sz="2400" i="0" u="none" strike="noStrike" dirty="0">
+              <a:solidFill>
+                <a:srgbClr val="000000"/>
+              </a:solidFill>
+              <a:effectLst/>
+              <a:latin typeface="Open Sans" panose="020B0606030504020204" pitchFamily="34" charset="0"/>
+              <a:ea typeface="Open Sans" panose="020B0606030504020204" pitchFamily="34" charset="0"/>
+              <a:cs typeface="Open Sans" panose="020B0606030504020204" pitchFamily="34" charset="0"/>
+            </a:endParaRPr>
+          </a:p>
+        </p:txBody>
+      </p:sp>
+      <p:sp>
+        <p:nvSpPr>
+          <p:cNvPr id="6" name="Arrow: Pentagon 5">
+            <a:hlinkClick r:id="" action="ppaction://hlinkshowjump?jump=nextslide"/>
+            <a:extLst>
+              <a:ext uri="{FF2B5EF4-FFF2-40B4-BE49-F238E27FC236}">
+                <a16:creationId xmlns:a16="http://schemas.microsoft.com/office/drawing/2014/main" id="{EF1768CC-083B-D5AB-763E-7725D9A5D905}"/>
+              </a:ext>
+            </a:extLst>
+          </p:cNvPr>
+          <p:cNvSpPr/>
+          <p:nvPr/>
+        </p:nvSpPr>
+        <p:spPr>
+          <a:xfrm>
+            <a:off x="590406" y="4752541"/>
+            <a:ext cx="4667394" cy="1000124"/>
+          </a:xfrm>
+          <a:prstGeom prst="homePlate">
+            <a:avLst>
+              <a:gd name="adj" fmla="val 76866"/>
+            </a:avLst>
+          </a:prstGeom>
+          <a:solidFill>
+            <a:schemeClr val="accent2">
+              <a:lumMod val="40000"/>
+              <a:lumOff val="60000"/>
+            </a:schemeClr>
+          </a:solidFill>
+          <a:ln>
+            <a:solidFill>
+              <a:schemeClr val="accent2">
+                <a:lumMod val="60000"/>
+                <a:lumOff val="40000"/>
+              </a:schemeClr>
+            </a:solidFill>
+          </a:ln>
+        </p:spPr>
+        <p:style>
+          <a:lnRef idx="2">
+            <a:schemeClr val="accent1">
+              <a:shade val="15000"/>
+            </a:schemeClr>
+          </a:lnRef>
+          <a:fillRef idx="1">
+            <a:schemeClr val="accent1"/>
+          </a:fillRef>
+          <a:effectRef idx="0">
+            <a:schemeClr val="accent1"/>
+          </a:effectRef>
+          <a:fontRef idx="minor">
+            <a:schemeClr val="lt1"/>
+          </a:fontRef>
+        </p:style>
+        <p:txBody>
+          <a:bodyPr rtlCol="0" anchor="ctr"/>
+          <a:lstStyle/>
+          <a:p>
+            <a:pPr algn="ctr"/>
+            <a:r>
+              <a:rPr lang="en-US" sz="4000" b="1" dirty="0">
+                <a:ln w="6600">
+                  <a:solidFill>
+                    <a:schemeClr val="accent2"/>
+                  </a:solidFill>
+                  <a:prstDash val="solid"/>
+                </a:ln>
+                <a:solidFill>
+                  <a:schemeClr val="tx1"/>
+                </a:solidFill>
+                <a:effectLst>
+                  <a:outerShdw blurRad="38100" dist="38100" dir="2700000" algn="tl">
+                    <a:srgbClr val="000000">
+                      <a:alpha val="43137"/>
+                    </a:srgbClr>
+                  </a:outerShdw>
+                </a:effectLst>
+              </a:rPr>
+              <a:t>Play</a:t>
+            </a:r>
+          </a:p>
+        </p:txBody>
+      </p:sp>
+    </p:spTree>
+    <p:custDataLst>
+      <p:tags r:id="rId1"/>
+    </p:custDataLst>
+    <p:extLst>
+      <p:ext uri="{BB962C8B-B14F-4D97-AF65-F5344CB8AC3E}">
+        <p14:creationId xmlns:p14="http://schemas.microsoft.com/office/powerpoint/2010/main" val="2119918761"/>
+      </p:ext>
+    </p:extLst>
+  </p:cSld>
+  <p:clrMapOvr>
+    <a:masterClrMapping/>
+  </p:clrMapOvr>
+  <mc:AlternateContent xmlns:mc="http://schemas.openxmlformats.org/markup-compatibility/2006" xmlns:p14="http://schemas.microsoft.com/office/powerpoint/2010/main">
+    <mc:Choice Requires="p14">
+      <p:transition spd="slow" p14:dur="2000" advClick="0"/>
+    </mc:Choice>
+    <mc:Fallback xmlns="">
+      <p:transition spd="slow" advClick="0"/>
+    </mc:Fallback>
+  </mc:AlternateContent>
+  <p:timing>
+    <p:tnLst>
+      <p:par>
+        <p:cTn id="1" dur="indefinite" restart="never" nodeType="tmRoot"/>
+      </p:par>
+    </p:tnLst>
+  </p:timing>
+</p:sld>
+</file>
+
+<file path=ppt/slides/slide5.xml><?xml version="1.0" encoding="utf-8"?>
+<p:sld xmlns:a="http://schemas.openxmlformats.org/drawingml/2006/main" xmlns:r="http://schemas.openxmlformats.org/officeDocument/2006/relationships" xmlns:p="http://schemas.openxmlformats.org/presentationml/2006/main">
+  <p:cSld>
+    <p:bg>
+      <p:bgPr>
+        <a:blipFill dpi="0" rotWithShape="1">
+          <a:blip r:embed="rId5">
+            <a:lum/>
+          </a:blip>
+          <a:srcRect/>
+          <a:stretch>
+            <a:fillRect/>
+          </a:stretch>
+        </a:blipFill>
+        <a:effectLst/>
+      </p:bgPr>
+    </p:bg>
+    <p:spTree>
+      <p:nvGrpSpPr>
+        <p:cNvPr id="1" name=""/>
+        <p:cNvGrpSpPr/>
+        <p:nvPr/>
+      </p:nvGrpSpPr>
+      <p:grpSpPr>
+        <a:xfrm>
+          <a:off x="0" y="0"/>
+          <a:ext cx="0" cy="0"/>
+          <a:chOff x="0" y="0"/>
+          <a:chExt cx="0" cy="0"/>
+        </a:xfrm>
+      </p:grpSpPr>
+      <p:pic>
+        <p:nvPicPr>
+          <p:cNvPr id="5" name="Picture Background">
+            <a:extLst>
+              <a:ext uri="{FF2B5EF4-FFF2-40B4-BE49-F238E27FC236}">
+                <a16:creationId xmlns:a16="http://schemas.microsoft.com/office/drawing/2014/main" id="{8F32C49C-CA82-44AD-87B5-61623BBFED22}"/>
+              </a:ext>
+            </a:extLst>
+          </p:cNvPr>
+          <p:cNvPicPr>
+            <a:picLocks noChangeAspect="1"/>
+          </p:cNvPicPr>
+          <p:nvPr/>
+        </p:nvPicPr>
+        <p:blipFill>
+          <a:blip r:embed="rId5"/>
+          <a:stretch>
+            <a:fillRect/>
+          </a:stretch>
+        </p:blipFill>
+        <p:spPr>
+          <a:xfrm>
+            <a:off x="1" y="0"/>
+            <a:ext cx="12192000" cy="6858000"/>
+          </a:xfrm>
+          <a:prstGeom prst="rect">
+            <a:avLst/>
+          </a:prstGeom>
+        </p:spPr>
+      </p:pic>
+      <p:pic>
+        <p:nvPicPr>
+          <p:cNvPr id="7" name="Picture 6">
+            <a:extLst>
+              <a:ext uri="{FF2B5EF4-FFF2-40B4-BE49-F238E27FC236}">
+                <a16:creationId xmlns:a16="http://schemas.microsoft.com/office/drawing/2014/main" id="{A4916BB5-8F2F-5112-ABF9-0CF75272C191}"/>
+              </a:ext>
+            </a:extLst>
+          </p:cNvPr>
+          <p:cNvPicPr>
+            <a:picLocks noChangeAspect="1"/>
+          </p:cNvPicPr>
+          <p:nvPr>
+            <p:custDataLst>
+              <p:tags r:id="rId2"/>
+            </p:custDataLst>
+          </p:nvPr>
+        </p:nvPicPr>
+        <p:blipFill>
+          <a:blip r:embed="rId6"/>
+          <a:stretch>
+            <a:fillRect/>
+          </a:stretch>
+        </p:blipFill>
+        <p:spPr>
+          <a:xfrm>
+            <a:off x="7893546" y="696723"/>
+            <a:ext cx="2954563" cy="9293674"/>
+          </a:xfrm>
+          <a:prstGeom prst="rect">
+            <a:avLst/>
+          </a:prstGeom>
+        </p:spPr>
+      </p:pic>
+      <p:sp>
+        <p:nvSpPr>
           <p:cNvPr id="2" name="ISPRING_QUIZ_SHAPE0">
             <a:extLst>
               <a:ext uri="{FF2B5EF4-FFF2-40B4-BE49-F238E27FC236}">
@@ -3182,6 +3471,14 @@
   <p:clrMapOvr>
     <a:masterClrMapping/>
   </p:clrMapOvr>
+  <mc:AlternateContent xmlns:mc="http://schemas.openxmlformats.org/markup-compatibility/2006" xmlns:p14="http://schemas.microsoft.com/office/powerpoint/2010/main">
+    <mc:Choice Requires="p14">
+      <p:transition spd="slow" p14:dur="2000" advClick="0"/>
+    </mc:Choice>
+    <mc:Fallback xmlns="">
+      <p:transition spd="slow" advClick="0"/>
+    </mc:Fallback>
+  </mc:AlternateContent>
   <p:timing>
     <p:tnLst>
       <p:par>
@@ -3192,7 +3489,7 @@
 </p:sld>
 </file>
 
-<file path=ppt/slides/slide5.xml><?xml version="1.0" encoding="utf-8"?>
+<file path=ppt/slides/slide6.xml><?xml version="1.0" encoding="utf-8"?>
 <p:sld xmlns:a="http://schemas.openxmlformats.org/drawingml/2006/main" xmlns:r="http://schemas.openxmlformats.org/officeDocument/2006/relationships" xmlns:p="http://schemas.openxmlformats.org/presentationml/2006/main">
   <p:cSld>
     <p:spTree>
@@ -3421,6 +3718,30 @@
 
 <file path=ppt/tags/tag10.xml><?xml version="1.0" encoding="utf-8"?>
 <p:tagLst xmlns:a="http://schemas.openxmlformats.org/drawingml/2006/main" xmlns:r="http://schemas.openxmlformats.org/officeDocument/2006/relationships" xmlns:p="http://schemas.openxmlformats.org/presentationml/2006/main">
+  <p:tag name="ISPRING_CUSTOM_TIMING_USED" val="1"/>
+  <p:tag name="ISPRING_SLIDE_INDENT_LEVEL" val="0"/>
+  <p:tag name="ISPRING_PRESENTER_ID" val="None"/>
+  <p:tag name="ISPRING_PLAYER_LAYOUT_TYPE" val="Full"/>
+  <p:tag name="ISPRING_SLIDE_ID_2" val="{63B4AA51-2E8C-4BA8-B5A8-C7E7941CC9B4}"/>
+  <p:tag name="GENSWF_ADVANCE_TIME" val="0.000"/>
+  <p:tag name="ISPRING_SLIDE_QUIZ_PROPERTIES" val="&lt;QuizProperties&gt;&lt;passAction&gt;&lt;action&gt;3&lt;/action&gt;&lt;/passAction&gt;&lt;failAction&gt;&lt;action&gt;3&lt;/action&gt;&lt;/failAction&gt;&lt;viewSlidesPolicy&gt;0&lt;/viewSlidesPolicy&gt;&lt;allowInterrupt&gt;1&lt;/allowInterrupt&gt;&lt;restartFailedQuiz&gt;0&lt;/restartFailedQuiz&gt;&lt;/QuizProperties&gt;&#10;"/>
+  <p:tag name="ISPRING_QUIZ_SHAPES_ADDED" val="1"/>
+  <p:tag name="ISPRING_RESOURCE_QUIZ" val="quiz1.quiz"/>
+  <p:tag name="ISPRING_QUIZ_RELATIVE_PATH" val="introduction\quiz\quiz1.quiz"/>
+  <p:tag name="ISPRING_QUIZ_FULL_PATH" val="C:\Users\hp\Desktop\Projects\Nabad\Nabad\psea\en\lessons\introduction\quiz\quiz1.quiz"/>
+  <p:tag name="GENSWF_SLIDE_UID" val="{7468DB5C-3EE1-4706-84AE-C7AF750A0092}:351"/>
+  <p:tag name="ISPRING_SLIDE_BRANCHING_PROPERTIES" val="&lt;BranchingProperties&gt;&lt;nextAction&gt;&lt;action&gt;2&lt;/action&gt;&lt;slide&gt;347&lt;/slide&gt;&lt;/nextAction&gt;&lt;prevAction&gt;&lt;action&gt;0&lt;/action&gt;&lt;/prevAction&gt;&lt;lock&gt;0&lt;/lock&gt;&lt;/BranchingProperties&gt;&#10;"/>
+</p:tagLst>
+</file>
+
+<file path=ppt/tags/tag11.xml><?xml version="1.0" encoding="utf-8"?>
+<p:tagLst xmlns:a="http://schemas.openxmlformats.org/drawingml/2006/main" xmlns:r="http://schemas.openxmlformats.org/officeDocument/2006/relationships" xmlns:p="http://schemas.openxmlformats.org/presentationml/2006/main">
+  <p:tag name="ISPRING_CONTENTLIB_ASSET_META" val="{&quot;ai&quot;:&quot;sSwjbG_m02hE9Cb81EDPCg&quot;,&quot;gi&quot;:&quot;ZO1ilQSLN1hCguyVhvpRTQ&quot;,&quot;ti&quot;:&quot;characters&quot;,&quot;vs&quot;:{&quot;f&quot;:[3305,708],&quot;i&quot;:{&quot;d&quot;:&quot;sSwjbG_m02hE9Cb81EDPCg&quot;,&quot;p&quot;:true}},&quot;at&quot;:&quot;DEFAULT&quot;}"/>
+</p:tagLst>
+</file>
+
+<file path=ppt/tags/tag12.xml><?xml version="1.0" encoding="utf-8"?>
+<p:tagLst xmlns:a="http://schemas.openxmlformats.org/drawingml/2006/main" xmlns:r="http://schemas.openxmlformats.org/officeDocument/2006/relationships" xmlns:p="http://schemas.openxmlformats.org/presentationml/2006/main">
   <p:tag name="ISPRING_SLIDE_INDENT_LEVEL" val="0"/>
   <p:tag name="GENSWF_SLIDE_UID" val="{AA64E7B7-BDC1-498F-BCBE-0E77E1576231}:348"/>
   <p:tag name="ISPRING_CUSTOM_TIMING_USED" val="1"/>
@@ -3430,7 +3751,7 @@
 </p:tagLst>
 </file>
 
-<file path=ppt/tags/tag11.xml><?xml version="1.0" encoding="utf-8"?>
+<file path=ppt/tags/tag13.xml><?xml version="1.0" encoding="utf-8"?>
 <p:tagLst xmlns:a="http://schemas.openxmlformats.org/drawingml/2006/main" xmlns:r="http://schemas.openxmlformats.org/officeDocument/2006/relationships" xmlns:p="http://schemas.openxmlformats.org/presentationml/2006/main">
   <p:tag name="ISPRING_CONTENTLIB_ASSET_META" val="{&quot;ai&quot;:&quot;sSwjbG_m02hE9Cb81EDPCg&quot;,&quot;gi&quot;:&quot;ZO1ilQSLN1hCguyVhvpRTQ&quot;,&quot;ti&quot;:&quot;characters&quot;,&quot;vs&quot;:{&quot;f&quot;:[3305,708],&quot;i&quot;:{&quot;d&quot;:&quot;sSwjbG_m02hE9Cb81EDPCg&quot;,&quot;p&quot;:true}},&quot;at&quot;:&quot;DEFAULT&quot;}"/>
 </p:tagLst>
@@ -3463,8 +3784,8 @@
   <p:tag name="ISPRING_PLAYER_LAYOUT_TYPE" val="Full"/>
   <p:tag name="ISPRING_SLIDE_ID_2" val="{63B4AA51-2E8C-4BA8-B5A8-C7E7941CC9B4}"/>
   <p:tag name="GENSWF_ADVANCE_TIME" val="0.000"/>
+  <p:tag name="GENSWF_SLIDE_UID" val="{9AD93E60-252A-4849-BF4B-909BC035F579}:349"/>
   <p:tag name="ISPRING_SLIDE_BRANCHING_PROPERTIES" val="&lt;BranchingProperties&gt;&lt;nextAction&gt;&lt;action&gt;2&lt;/action&gt;&lt;slide&gt;347&lt;/slide&gt;&lt;/nextAction&gt;&lt;prevAction&gt;&lt;action&gt;0&lt;/action&gt;&lt;/prevAction&gt;&lt;lock&gt;0&lt;/lock&gt;&lt;/BranchingProperties&gt;&#10;"/>
-  <p:tag name="GENSWF_SLIDE_UID" val="{9AD93E60-252A-4849-BF4B-909BC035F579}:349"/>
 </p:tagLst>
 </file>
 
@@ -3482,8 +3803,8 @@
   <p:tag name="ISPRING_PLAYER_LAYOUT_TYPE" val="Full"/>
   <p:tag name="ISPRING_SLIDE_ID_2" val="{63B4AA51-2E8C-4BA8-B5A8-C7E7941CC9B4}"/>
   <p:tag name="GENSWF_ADVANCE_TIME" val="0.000"/>
-  <p:tag name="ISPRING_SLIDE_BRANCHING_PROPERTIES" val="&lt;BranchingProperties&gt;&lt;nextAction&gt;&lt;action&gt;2&lt;/action&gt;&lt;slide&gt;347&lt;/slide&gt;&lt;/nextAction&gt;&lt;prevAction&gt;&lt;action&gt;0&lt;/action&gt;&lt;/prevAction&gt;&lt;lock&gt;1&lt;/lock&gt;&lt;/BranchingProperties&gt;&#10;"/>
-  <p:tag name="GENSWF_SLIDE_UID" val="{ECC21F1B-C212-4A13-BBE6-8A42F7A62EB7}:350"/>
+  <p:tag name="ISPRING_SLIDE_BRANCHING_PROPERTIES" val="&lt;BranchingProperties&gt;&lt;nextAction&gt;&lt;action&gt;2&lt;/action&gt;&lt;slide&gt;347&lt;/slide&gt;&lt;/nextAction&gt;&lt;prevAction&gt;&lt;action&gt;0&lt;/action&gt;&lt;/prevAction&gt;&lt;lock&gt;0&lt;/lock&gt;&lt;/BranchingProperties&gt;&#10;"/>
+  <p:tag name="GENSWF_SLIDE_UID" val="{A5061A54-7455-48E9-A650-3E21E6EEA528}:352"/>
 </p:tagLst>
 </file>
 
@@ -3501,13 +3822,8 @@
   <p:tag name="ISPRING_PLAYER_LAYOUT_TYPE" val="Full"/>
   <p:tag name="ISPRING_SLIDE_ID_2" val="{63B4AA51-2E8C-4BA8-B5A8-C7E7941CC9B4}"/>
   <p:tag name="GENSWF_ADVANCE_TIME" val="0.000"/>
-  <p:tag name="ISPRING_SLIDE_BRANCHING_PROPERTIES" val="&lt;BranchingProperties&gt;&lt;nextAction&gt;&lt;action&gt;2&lt;/action&gt;&lt;slide&gt;347&lt;/slide&gt;&lt;/nextAction&gt;&lt;prevAction&gt;&lt;action&gt;0&lt;/action&gt;&lt;/prevAction&gt;&lt;lock&gt;0&lt;/lock&gt;&lt;/BranchingProperties&gt;&#10;"/>
-  <p:tag name="ISPRING_SLIDE_QUIZ_PROPERTIES" val="&lt;QuizProperties&gt;&lt;passAction&gt;&lt;action&gt;3&lt;/action&gt;&lt;/passAction&gt;&lt;failAction&gt;&lt;action&gt;3&lt;/action&gt;&lt;/failAction&gt;&lt;viewSlidesPolicy&gt;0&lt;/viewSlidesPolicy&gt;&lt;allowInterrupt&gt;1&lt;/allowInterrupt&gt;&lt;restartFailedQuiz&gt;0&lt;/restartFailedQuiz&gt;&lt;/QuizProperties&gt;&#10;"/>
-  <p:tag name="ISPRING_QUIZ_SHAPES_ADDED" val="1"/>
-  <p:tag name="ISPRING_RESOURCE_QUIZ" val="quiz1.quiz"/>
-  <p:tag name="ISPRING_QUIZ_RELATIVE_PATH" val="introduction\quiz\quiz1.quiz"/>
-  <p:tag name="ISPRING_QUIZ_FULL_PATH" val="C:\Users\hp\Desktop\Projects\Nabad\Nabad\psea\en\lessons\introduction\quiz\quiz1.quiz"/>
-  <p:tag name="GENSWF_SLIDE_UID" val="{7468DB5C-3EE1-4706-84AE-C7AF750A0092}:351"/>
+  <p:tag name="GENSWF_SLIDE_UID" val="{ECC21F1B-C212-4A13-BBE6-8A42F7A62EB7}:350"/>
+  <p:tag name="ISPRING_SLIDE_BRANCHING_PROPERTIES" val="&lt;BranchingProperties&gt;&lt;nextAction&gt;&lt;action&gt;2&lt;/action&gt;&lt;slide&gt;347&lt;/slide&gt;&lt;/nextAction&gt;&lt;prevAction&gt;&lt;action&gt;0&lt;/action&gt;&lt;/prevAction&gt;&lt;lock&gt;1&lt;/lock&gt;&lt;/BranchingProperties&gt;&#10;"/>
 </p:tagLst>
 </file>
 
